--- a/컴그_기말프로젝트_발표.pptx
+++ b/컴그_기말프로젝트_발표.pptx
@@ -3355,6 +3355,96 @@
           <a:chExt cx="0" cy="0"/>
         </a:xfrm>
       </p:grpSpPr>
+      <p:pic>
+        <p:nvPicPr>
+          <p:cNvPr id="6" name="그림 5">
+            <a:extLst>
+              <a:ext uri="{FF2B5EF4-FFF2-40B4-BE49-F238E27FC236}">
+                <a16:creationId xmlns:a16="http://schemas.microsoft.com/office/drawing/2014/main" id="{3CD2AA76-1A07-4A05-AFBF-2AA47B5182A6}"/>
+              </a:ext>
+            </a:extLst>
+          </p:cNvPr>
+          <p:cNvPicPr>
+            <a:picLocks noChangeAspect="1"/>
+          </p:cNvPicPr>
+          <p:nvPr/>
+        </p:nvPicPr>
+        <p:blipFill>
+          <a:blip r:embed="rId2">
+            <a:extLst>
+              <a:ext uri="{28A0092B-C50C-407E-A947-70E740481C1C}">
+                <a14:useLocalDpi xmlns:a14="http://schemas.microsoft.com/office/drawing/2010/main" val="0"/>
+              </a:ext>
+            </a:extLst>
+          </a:blip>
+          <a:stretch>
+            <a:fillRect/>
+          </a:stretch>
+        </p:blipFill>
+        <p:spPr>
+          <a:xfrm>
+            <a:off x="0" y="-12238"/>
+            <a:ext cx="19629120" cy="11041380"/>
+          </a:xfrm>
+          <a:prstGeom prst="rect">
+            <a:avLst/>
+          </a:prstGeom>
+        </p:spPr>
+      </p:pic>
+      <p:sp>
+        <p:nvSpPr>
+          <p:cNvPr id="7" name="직사각형 6">
+            <a:extLst>
+              <a:ext uri="{FF2B5EF4-FFF2-40B4-BE49-F238E27FC236}">
+                <a16:creationId xmlns:a16="http://schemas.microsoft.com/office/drawing/2014/main" id="{F57B12FC-D01B-44D2-980F-798E1D5A4A47}"/>
+              </a:ext>
+            </a:extLst>
+          </p:cNvPr>
+          <p:cNvSpPr/>
+          <p:nvPr/>
+        </p:nvSpPr>
+        <p:spPr>
+          <a:xfrm>
+            <a:off x="0" y="-12238"/>
+            <a:ext cx="17610138" cy="9918238"/>
+          </a:xfrm>
+          <a:prstGeom prst="rect">
+            <a:avLst/>
+          </a:prstGeom>
+          <a:solidFill>
+            <a:schemeClr val="bg1">
+              <a:alpha val="59000"/>
+            </a:schemeClr>
+          </a:solidFill>
+          <a:ln>
+            <a:noFill/>
+          </a:ln>
+        </p:spPr>
+        <p:style>
+          <a:lnRef idx="2">
+            <a:schemeClr val="accent1">
+              <a:shade val="50000"/>
+            </a:schemeClr>
+          </a:lnRef>
+          <a:fillRef idx="1">
+            <a:schemeClr val="accent1"/>
+          </a:fillRef>
+          <a:effectRef idx="0">
+            <a:schemeClr val="accent1"/>
+          </a:effectRef>
+          <a:fontRef idx="minor">
+            <a:schemeClr val="lt1"/>
+          </a:fontRef>
+        </p:style>
+        <p:txBody>
+          <a:bodyPr rtlCol="0" anchor="ctr"/>
+          <a:lstStyle/>
+          <a:p>
+            <a:pPr algn="ctr"/>
+            <a:endParaRPr lang="ko-KR" altLang="en-US"/>
+          </a:p>
+        </p:txBody>
+      </p:sp>
       <p:sp>
         <p:nvSpPr>
           <p:cNvPr id="2" name="제목 1">
@@ -3821,14 +3911,14 @@
         <p:spPr>
           <a:xfrm>
             <a:off x="9684331" y="5979687"/>
-            <a:ext cx="8804275" cy="3323987"/>
+            <a:ext cx="4062149" cy="3323987"/>
           </a:xfrm>
           <a:prstGeom prst="rect">
             <a:avLst/>
           </a:prstGeom>
         </p:spPr>
         <p:txBody>
-          <a:bodyPr>
+          <a:bodyPr wrap="square">
             <a:spAutoFit/>
           </a:bodyPr>
           <a:lstStyle/>
